--- a/Doc/오늘의동영상v2.0.pptx
+++ b/Doc/오늘의동영상v2.0.pptx
@@ -249,7 +249,7 @@
           <a:p>
             <a:fld id="{3B71C276-D220-48A0-A9E1-9AB64ED9A023}" type="datetimeFigureOut">
               <a:rPr lang="ko-KR" altLang="en-US" smtClean="0"/>
-              <a:t>2018-10-04</a:t>
+              <a:t>2018-10-05</a:t>
             </a:fld>
             <a:endParaRPr lang="ko-KR" altLang="en-US"/>
           </a:p>
@@ -417,7 +417,7 @@
           <a:p>
             <a:fld id="{3B71C276-D220-48A0-A9E1-9AB64ED9A023}" type="datetimeFigureOut">
               <a:rPr lang="ko-KR" altLang="en-US" smtClean="0"/>
-              <a:t>2018-10-04</a:t>
+              <a:t>2018-10-05</a:t>
             </a:fld>
             <a:endParaRPr lang="ko-KR" altLang="en-US"/>
           </a:p>
@@ -595,7 +595,7 @@
           <a:p>
             <a:fld id="{3B71C276-D220-48A0-A9E1-9AB64ED9A023}" type="datetimeFigureOut">
               <a:rPr lang="ko-KR" altLang="en-US" smtClean="0"/>
-              <a:t>2018-10-04</a:t>
+              <a:t>2018-10-05</a:t>
             </a:fld>
             <a:endParaRPr lang="ko-KR" altLang="en-US"/>
           </a:p>
@@ -763,7 +763,7 @@
           <a:p>
             <a:fld id="{3B71C276-D220-48A0-A9E1-9AB64ED9A023}" type="datetimeFigureOut">
               <a:rPr lang="ko-KR" altLang="en-US" smtClean="0"/>
-              <a:t>2018-10-04</a:t>
+              <a:t>2018-10-05</a:t>
             </a:fld>
             <a:endParaRPr lang="ko-KR" altLang="en-US"/>
           </a:p>
@@ -1008,7 +1008,7 @@
           <a:p>
             <a:fld id="{3B71C276-D220-48A0-A9E1-9AB64ED9A023}" type="datetimeFigureOut">
               <a:rPr lang="ko-KR" altLang="en-US" smtClean="0"/>
-              <a:t>2018-10-04</a:t>
+              <a:t>2018-10-05</a:t>
             </a:fld>
             <a:endParaRPr lang="ko-KR" altLang="en-US"/>
           </a:p>
@@ -1237,7 +1237,7 @@
           <a:p>
             <a:fld id="{3B71C276-D220-48A0-A9E1-9AB64ED9A023}" type="datetimeFigureOut">
               <a:rPr lang="ko-KR" altLang="en-US" smtClean="0"/>
-              <a:t>2018-10-04</a:t>
+              <a:t>2018-10-05</a:t>
             </a:fld>
             <a:endParaRPr lang="ko-KR" altLang="en-US"/>
           </a:p>
@@ -1601,7 +1601,7 @@
           <a:p>
             <a:fld id="{3B71C276-D220-48A0-A9E1-9AB64ED9A023}" type="datetimeFigureOut">
               <a:rPr lang="ko-KR" altLang="en-US" smtClean="0"/>
-              <a:t>2018-10-04</a:t>
+              <a:t>2018-10-05</a:t>
             </a:fld>
             <a:endParaRPr lang="ko-KR" altLang="en-US"/>
           </a:p>
@@ -1718,7 +1718,7 @@
           <a:p>
             <a:fld id="{3B71C276-D220-48A0-A9E1-9AB64ED9A023}" type="datetimeFigureOut">
               <a:rPr lang="ko-KR" altLang="en-US" smtClean="0"/>
-              <a:t>2018-10-04</a:t>
+              <a:t>2018-10-05</a:t>
             </a:fld>
             <a:endParaRPr lang="ko-KR" altLang="en-US"/>
           </a:p>
@@ -1813,7 +1813,7 @@
           <a:p>
             <a:fld id="{3B71C276-D220-48A0-A9E1-9AB64ED9A023}" type="datetimeFigureOut">
               <a:rPr lang="ko-KR" altLang="en-US" smtClean="0"/>
-              <a:t>2018-10-04</a:t>
+              <a:t>2018-10-05</a:t>
             </a:fld>
             <a:endParaRPr lang="ko-KR" altLang="en-US"/>
           </a:p>
@@ -2088,7 +2088,7 @@
           <a:p>
             <a:fld id="{3B71C276-D220-48A0-A9E1-9AB64ED9A023}" type="datetimeFigureOut">
               <a:rPr lang="ko-KR" altLang="en-US" smtClean="0"/>
-              <a:t>2018-10-04</a:t>
+              <a:t>2018-10-05</a:t>
             </a:fld>
             <a:endParaRPr lang="ko-KR" altLang="en-US"/>
           </a:p>
@@ -2340,7 +2340,7 @@
           <a:p>
             <a:fld id="{3B71C276-D220-48A0-A9E1-9AB64ED9A023}" type="datetimeFigureOut">
               <a:rPr lang="ko-KR" altLang="en-US" smtClean="0"/>
-              <a:t>2018-10-04</a:t>
+              <a:t>2018-10-05</a:t>
             </a:fld>
             <a:endParaRPr lang="ko-KR" altLang="en-US"/>
           </a:p>
@@ -2551,7 +2551,7 @@
           <a:p>
             <a:fld id="{3B71C276-D220-48A0-A9E1-9AB64ED9A023}" type="datetimeFigureOut">
               <a:rPr lang="ko-KR" altLang="en-US" smtClean="0"/>
-              <a:t>2018-10-04</a:t>
+              <a:t>2018-10-05</a:t>
             </a:fld>
             <a:endParaRPr lang="ko-KR" altLang="en-US"/>
           </a:p>
@@ -3057,14 +3057,7 @@
                 <a:latin typeface="+mj-ea"/>
                 <a:ea typeface="+mj-ea"/>
               </a:rPr>
-              <a:t> </a:t>
-            </a:r>
-            <a:r>
-              <a:rPr lang="ko-KR" altLang="en-US" sz="1400" b="1" dirty="0" smtClean="0">
-                <a:latin typeface="+mj-ea"/>
-                <a:ea typeface="+mj-ea"/>
-              </a:rPr>
-              <a:t>수정일 </a:t>
+              <a:t> 수정일 </a:t>
             </a:r>
             <a:r>
               <a:rPr lang="en-US" altLang="ko-KR" sz="1400" b="1" dirty="0" smtClean="0">
@@ -3078,7 +3071,7 @@
                 <a:latin typeface="+mj-ea"/>
                 <a:ea typeface="+mj-ea"/>
               </a:rPr>
-              <a:t>18.10.04</a:t>
+              <a:t>18.10.05</a:t>
             </a:r>
             <a:endParaRPr lang="en-US" altLang="ko-KR" sz="1400" b="1" dirty="0" smtClean="0">
               <a:latin typeface="+mj-ea"/>
@@ -3257,11 +3250,7 @@
             </a:r>
             <a:r>
               <a:rPr lang="en-US" altLang="ko-KR" sz="1000" b="1" dirty="0" smtClean="0"/>
-              <a:t>) </a:t>
-            </a:r>
-            <a:r>
-              <a:rPr lang="en-US" altLang="ko-KR" sz="1000" b="1" dirty="0" smtClean="0"/>
-              <a:t>UI</a:t>
+              <a:t>) UI</a:t>
             </a:r>
             <a:r>
               <a:rPr lang="ko-KR" altLang="en-US" sz="1000" b="1" dirty="0" smtClean="0"/>
@@ -4609,11 +4598,7 @@
             </a:r>
             <a:r>
               <a:rPr lang="ko-KR" altLang="en-US" sz="1000" dirty="0" smtClean="0"/>
-              <a:t>이 두 가지 기능이 지원 가능한지 예식님의 검토 필요</a:t>
-            </a:r>
-            <a:r>
-              <a:rPr lang="ko-KR" altLang="en-US" sz="1000" dirty="0" smtClean="0"/>
-              <a:t> </a:t>
+              <a:t>이 두 가지 기능이 지원 가능한지 예식님의 검토 필요 </a:t>
             </a:r>
             <a:endParaRPr lang="en-US" altLang="ko-KR" sz="1000" dirty="0" smtClean="0"/>
           </a:p>
@@ -5090,13 +5075,6 @@
               </a:rPr>
               <a:t>기</a:t>
             </a:r>
-            <a:endParaRPr lang="ko-KR" altLang="en-US" sz="1050" b="1" dirty="0">
-              <a:solidFill>
-                <a:schemeClr val="bg1">
-                  <a:lumMod val="65000"/>
-                </a:schemeClr>
-              </a:solidFill>
-            </a:endParaRPr>
           </a:p>
         </p:txBody>
       </p:sp>
@@ -5897,15 +5875,7 @@
             </a:pPr>
             <a:r>
               <a:rPr lang="en-US" altLang="ko-KR" sz="1000" b="1" dirty="0" smtClean="0"/>
-              <a:t>9</a:t>
-            </a:r>
-            <a:r>
-              <a:rPr lang="en-US" altLang="ko-KR" sz="1000" b="1" dirty="0" smtClean="0"/>
-              <a:t>) </a:t>
-            </a:r>
-            <a:r>
-              <a:rPr lang="en-US" altLang="ko-KR" sz="1000" b="1" dirty="0" smtClean="0"/>
-              <a:t>UI</a:t>
+              <a:t>9) UI</a:t>
             </a:r>
             <a:r>
               <a:rPr lang="ko-KR" altLang="en-US" sz="1000" b="1" dirty="0" smtClean="0"/>
@@ -7439,13 +7409,6 @@
               </a:rPr>
               <a:t>기</a:t>
             </a:r>
-            <a:endParaRPr lang="ko-KR" altLang="en-US" sz="1050" b="1" dirty="0">
-              <a:solidFill>
-                <a:schemeClr val="bg1">
-                  <a:lumMod val="65000"/>
-                </a:schemeClr>
-              </a:solidFill>
-            </a:endParaRPr>
           </a:p>
         </p:txBody>
       </p:sp>
@@ -8635,11 +8598,7 @@
             </a:pPr>
             <a:r>
               <a:rPr lang="en-US" altLang="ko-KR" sz="1000" b="1" dirty="0" smtClean="0"/>
-              <a:t>10) </a:t>
-            </a:r>
-            <a:r>
-              <a:rPr lang="en-US" altLang="ko-KR" sz="1000" b="1" dirty="0" smtClean="0"/>
-              <a:t>UI</a:t>
+              <a:t>10) UI</a:t>
             </a:r>
             <a:r>
               <a:rPr lang="ko-KR" altLang="en-US" sz="1000" b="1" dirty="0" smtClean="0"/>
@@ -10380,13 +10339,6 @@
               </a:rPr>
               <a:t>기</a:t>
             </a:r>
-            <a:endParaRPr lang="ko-KR" altLang="en-US" sz="1050" b="1" dirty="0">
-              <a:solidFill>
-                <a:schemeClr val="bg1">
-                  <a:lumMod val="65000"/>
-                </a:schemeClr>
-              </a:solidFill>
-            </a:endParaRPr>
           </a:p>
         </p:txBody>
       </p:sp>
@@ -12071,13 +12023,6 @@
               </a:rPr>
               <a:t>기</a:t>
             </a:r>
-            <a:endParaRPr lang="ko-KR" altLang="en-US" sz="500" b="1" dirty="0">
-              <a:solidFill>
-                <a:schemeClr val="bg1">
-                  <a:lumMod val="65000"/>
-                </a:schemeClr>
-              </a:solidFill>
-            </a:endParaRPr>
           </a:p>
         </p:txBody>
       </p:sp>
@@ -12693,11 +12638,7 @@
             </a:pPr>
             <a:r>
               <a:rPr lang="en-US" altLang="ko-KR" sz="1000" b="1" dirty="0" smtClean="0"/>
-              <a:t>11) </a:t>
-            </a:r>
-            <a:r>
-              <a:rPr lang="en-US" altLang="ko-KR" sz="1000" b="1" dirty="0" smtClean="0"/>
-              <a:t>UI</a:t>
+              <a:t>11) UI</a:t>
             </a:r>
             <a:r>
               <a:rPr lang="ko-KR" altLang="en-US" sz="1000" b="1" dirty="0" smtClean="0"/>
@@ -14233,11 +14174,7 @@
             </a:r>
             <a:r>
               <a:rPr lang="en-US" altLang="ko-KR" sz="1100" dirty="0" smtClean="0"/>
-              <a:t> </a:t>
-            </a:r>
-            <a:r>
-              <a:rPr lang="en-US" altLang="ko-KR" sz="1100" dirty="0" smtClean="0"/>
-              <a:t>UI</a:t>
+              <a:t> UI</a:t>
             </a:r>
             <a:r>
               <a:rPr lang="ko-KR" altLang="en-US" sz="1100" dirty="0" smtClean="0"/>
@@ -14249,11 +14186,7 @@
             </a:r>
             <a:r>
               <a:rPr lang="ko-KR" altLang="en-US" sz="1100" dirty="0" smtClean="0"/>
-              <a:t>리소스 협업</a:t>
-            </a:r>
-            <a:r>
-              <a:rPr lang="ko-KR" altLang="en-US" sz="1100" dirty="0" smtClean="0"/>
-              <a:t> </a:t>
+              <a:t>리소스 협업 </a:t>
             </a:r>
             <a:endParaRPr lang="en-US" altLang="ko-KR" sz="1100" dirty="0" smtClean="0"/>
           </a:p>
@@ -14301,19 +14234,7 @@
             </a:r>
             <a:r>
               <a:rPr lang="en-US" altLang="ko-KR" sz="1100" dirty="0" smtClean="0"/>
-              <a:t> </a:t>
-            </a:r>
-            <a:r>
-              <a:rPr lang="en-US" altLang="ko-KR" sz="1100" dirty="0" smtClean="0"/>
-              <a:t>QA </a:t>
-            </a:r>
-            <a:r>
-              <a:rPr lang="en-US" altLang="ko-KR" sz="1100" dirty="0" smtClean="0"/>
-              <a:t>/ </a:t>
-            </a:r>
-            <a:r>
-              <a:rPr lang="en-US" altLang="ko-KR" sz="1100" dirty="0" smtClean="0"/>
-              <a:t>UX / </a:t>
+              <a:t> QA / UX / </a:t>
             </a:r>
             <a:r>
               <a:rPr lang="ko-KR" altLang="en-US" sz="1100" dirty="0" smtClean="0"/>
@@ -15599,11 +15520,7 @@
             </a:r>
             <a:r>
               <a:rPr lang="ko-KR" altLang="en-US" sz="1100" b="1" dirty="0" smtClean="0"/>
-              <a:t>우리 </a:t>
-            </a:r>
-            <a:r>
-              <a:rPr lang="ko-KR" altLang="en-US" sz="1100" b="1" dirty="0" smtClean="0"/>
-              <a:t>스스로도 계속 사용하고 싶어야 가능성 있음</a:t>
+              <a:t>우리 스스로도 계속 사용하고 싶어야 가능성 있음</a:t>
             </a:r>
             <a:r>
               <a:rPr lang="en-US" altLang="ko-KR" sz="1100" b="1" dirty="0" smtClean="0"/>
@@ -15923,7 +15840,6 @@
               <a:rPr lang="en-US" altLang="ko-KR" sz="1000" dirty="0" smtClean="0"/>
               <a:t>.</a:t>
             </a:r>
-            <a:endParaRPr lang="en-US" altLang="ko-KR" sz="1000" dirty="0" smtClean="0"/>
           </a:p>
           <a:p>
             <a:pPr marL="171450" indent="-171450">
@@ -15955,11 +15871,7 @@
             </a:r>
             <a:r>
               <a:rPr lang="ko-KR" altLang="en-US" sz="1000" b="1" dirty="0" smtClean="0"/>
-              <a:t>동영상 </a:t>
-            </a:r>
-            <a:r>
-              <a:rPr lang="ko-KR" altLang="en-US" sz="1000" b="1" dirty="0" smtClean="0"/>
-              <a:t>처리 소스 경로 확대</a:t>
+              <a:t>동영상 처리 소스 경로 확대</a:t>
             </a:r>
             <a:endParaRPr lang="en-US" altLang="ko-KR" sz="1000" b="1" dirty="0" smtClean="0"/>
           </a:p>
@@ -15973,11 +15885,7 @@
             </a:pPr>
             <a:r>
               <a:rPr lang="ko-KR" altLang="en-US" sz="1000" dirty="0" smtClean="0"/>
-              <a:t>동영상 </a:t>
-            </a:r>
-            <a:r>
-              <a:rPr lang="ko-KR" altLang="en-US" sz="1000" dirty="0" smtClean="0"/>
-              <a:t>소스를 </a:t>
+              <a:t>동영상 소스를 </a:t>
             </a:r>
             <a:r>
               <a:rPr lang="ko-KR" altLang="en-US" sz="1000" dirty="0" err="1" smtClean="0"/>
@@ -15993,11 +15901,7 @@
             </a:r>
             <a:r>
               <a:rPr lang="ko-KR" altLang="en-US" sz="1000" dirty="0" smtClean="0"/>
-              <a:t>여러 업체의 소스를 받아 올 </a:t>
-            </a:r>
-            <a:r>
-              <a:rPr lang="ko-KR" altLang="en-US" sz="1000" dirty="0" smtClean="0"/>
-              <a:t>수 있도록 한다</a:t>
+              <a:t>여러 업체의 소스를 받아 올 수 있도록 한다</a:t>
             </a:r>
             <a:r>
               <a:rPr lang="en-US" altLang="ko-KR" sz="1000" dirty="0" smtClean="0"/>
@@ -16014,11 +15918,7 @@
             </a:pPr>
             <a:r>
               <a:rPr lang="ko-KR" altLang="en-US" sz="1000" dirty="0" smtClean="0"/>
-              <a:t>아래 </a:t>
-            </a:r>
-            <a:r>
-              <a:rPr lang="ko-KR" altLang="en-US" sz="1000" dirty="0" smtClean="0"/>
-              <a:t>동영상 업체 목록에 대해 가능 여부를 검토한다</a:t>
+              <a:t>아래 동영상 업체 목록에 대해 가능 여부를 검토한다</a:t>
             </a:r>
             <a:r>
               <a:rPr lang="en-US" altLang="ko-KR" sz="1000" dirty="0" smtClean="0"/>
@@ -16111,7 +16011,6 @@
               <a:rPr lang="en-US" altLang="ko-KR" sz="1000" dirty="0" smtClean="0"/>
               <a:t>TV</a:t>
             </a:r>
-            <a:endParaRPr lang="en-US" altLang="ko-KR" sz="1000" dirty="0" smtClean="0"/>
           </a:p>
         </p:txBody>
       </p:sp>
@@ -16465,11 +16364,7 @@
             </a:pPr>
             <a:r>
               <a:rPr lang="ko-KR" altLang="en-US" sz="1000" dirty="0" smtClean="0"/>
-              <a:t>최초 검색</a:t>
-            </a:r>
-            <a:r>
-              <a:rPr lang="ko-KR" altLang="en-US" sz="1000" dirty="0" smtClean="0"/>
-              <a:t> 시점</a:t>
+              <a:t>최초 검색 시점</a:t>
             </a:r>
             <a:endParaRPr lang="en-US" altLang="ko-KR" sz="1000" dirty="0" smtClean="0"/>
           </a:p>
@@ -17928,15 +17823,20 @@
                     <a:p>
                       <a:pPr algn="l" rtl="0" fontAlgn="ctr"/>
                       <a:r>
-                        <a:rPr lang="en-US" sz="1000" b="0" i="0" u="none" strike="noStrike">
+                        <a:rPr lang="en-US" altLang="ko-KR" sz="1000" dirty="0" err="1" smtClean="0">
                           <a:solidFill>
                             <a:srgbClr val="000000"/>
                           </a:solidFill>
-                          <a:effectLst/>
-                          <a:latin typeface="맑은 고딕"/>
                         </a:rPr>
-                        <a:t>searchResult</a:t>
+                        <a:t>videoPool</a:t>
                       </a:r>
+                      <a:endParaRPr lang="en-US" sz="1000" b="0" i="0" u="none" strike="noStrike" dirty="0">
+                        <a:solidFill>
+                          <a:srgbClr val="000000"/>
+                        </a:solidFill>
+                        <a:effectLst/>
+                        <a:latin typeface="맑은 고딕"/>
+                      </a:endParaRPr>
                     </a:p>
                   </a:txBody>
                   <a:tcPr marL="9525" marR="9525" marT="9525" marB="0" anchor="ctr">
@@ -18484,11 +18384,7 @@
             </a:r>
             <a:r>
               <a:rPr lang="ko-KR" altLang="en-US" sz="1000" b="1" dirty="0" smtClean="0"/>
-              <a:t>최신 </a:t>
-            </a:r>
-            <a:r>
-              <a:rPr lang="ko-KR" altLang="en-US" sz="1000" b="1" dirty="0" smtClean="0"/>
-              <a:t>탭</a:t>
+              <a:t>최신 탭</a:t>
             </a:r>
             <a:r>
               <a:rPr lang="en-US" altLang="ko-KR" sz="1000" b="1" dirty="0" smtClean="0"/>
@@ -18510,11 +18406,7 @@
             </a:pPr>
             <a:r>
               <a:rPr lang="ko-KR" altLang="en-US" sz="1000" dirty="0" smtClean="0"/>
-              <a:t>요청</a:t>
-            </a:r>
-            <a:r>
-              <a:rPr lang="ko-KR" altLang="en-US" sz="1000" dirty="0" smtClean="0"/>
-              <a:t> 시점</a:t>
+              <a:t>요청 시점</a:t>
             </a:r>
             <a:endParaRPr lang="en-US" altLang="ko-KR" sz="1000" dirty="0"/>
           </a:p>
@@ -18530,7 +18422,23 @@
             </a:r>
             <a:r>
               <a:rPr lang="ko-KR" altLang="en-US" sz="1000" dirty="0" smtClean="0"/>
-              <a:t>오동 클라이언트 시작 시</a:t>
+              <a:t>오동 클라이언트 시작 </a:t>
+            </a:r>
+            <a:r>
+              <a:rPr lang="ko-KR" altLang="en-US" sz="1000" dirty="0" smtClean="0"/>
+              <a:t>시</a:t>
+            </a:r>
+            <a:r>
+              <a:rPr lang="en-US" altLang="ko-KR" sz="1000" dirty="0" smtClean="0"/>
+              <a:t>, </a:t>
+            </a:r>
+            <a:r>
+              <a:rPr lang="ko-KR" altLang="en-US" sz="1000" dirty="0" smtClean="0"/>
+              <a:t>현재 클라이언트 목록에 표시한다</a:t>
+            </a:r>
+            <a:r>
+              <a:rPr lang="en-US" altLang="ko-KR" sz="1000" dirty="0" smtClean="0"/>
+              <a:t>.</a:t>
             </a:r>
             <a:endParaRPr lang="en-US" altLang="ko-KR" sz="1000" dirty="0" smtClean="0"/>
           </a:p>
@@ -18558,7 +18466,23 @@
             </a:r>
             <a:r>
               <a:rPr lang="ko-KR" altLang="en-US" sz="1000" dirty="0" smtClean="0"/>
-              <a:t>의 현재 영상 리스트의 마지막 스크롤에 도달 시</a:t>
+              <a:t>의 현재 영상 리스트의 마지막 스크롤에 도달 </a:t>
+            </a:r>
+            <a:r>
+              <a:rPr lang="ko-KR" altLang="en-US" sz="1000" dirty="0" smtClean="0"/>
+              <a:t>시</a:t>
+            </a:r>
+            <a:r>
+              <a:rPr lang="en-US" altLang="ko-KR" sz="1000" dirty="0" smtClean="0"/>
+              <a:t>, </a:t>
+            </a:r>
+            <a:r>
+              <a:rPr lang="ko-KR" altLang="en-US" sz="1000" dirty="0" smtClean="0"/>
+              <a:t>클라이언트 목록에 추가로 더한다</a:t>
+            </a:r>
+            <a:r>
+              <a:rPr lang="en-US" altLang="ko-KR" sz="1000" dirty="0" smtClean="0"/>
+              <a:t>.</a:t>
             </a:r>
             <a:endParaRPr lang="en-US" altLang="ko-KR" sz="1000" dirty="0"/>
           </a:p>
@@ -18680,7 +18604,15 @@
                   <a:srgbClr val="000000"/>
                 </a:solidFill>
               </a:rPr>
-              <a:t>개를 뽑아 클라이언트에 표시한다</a:t>
+              <a:t>개를 뽑아 </a:t>
+            </a:r>
+            <a:r>
+              <a:rPr lang="ko-KR" altLang="en-US" sz="1000" dirty="0" smtClean="0">
+                <a:solidFill>
+                  <a:srgbClr val="000000"/>
+                </a:solidFill>
+              </a:rPr>
+              <a:t>클라이언트 동영상 목록에 더한다</a:t>
             </a:r>
             <a:r>
               <a:rPr lang="en-US" altLang="ko-KR" sz="1000" dirty="0" smtClean="0">
@@ -18711,7 +18643,15 @@
                   <a:srgbClr val="000000"/>
                 </a:solidFill>
               </a:rPr>
-              <a:t>무작위 시</a:t>
+              <a:t>추가로 무작위를 할 경</a:t>
+            </a:r>
+            <a:r>
+              <a:rPr lang="ko-KR" altLang="en-US" sz="1000" dirty="0" smtClean="0">
+                <a:solidFill>
+                  <a:srgbClr val="000000"/>
+                </a:solidFill>
+              </a:rPr>
+              <a:t>우</a:t>
             </a:r>
             <a:r>
               <a:rPr lang="en-US" altLang="ko-KR" sz="1000" dirty="0" smtClean="0">
@@ -18727,7 +18667,39 @@
                   <a:srgbClr val="000000"/>
                 </a:solidFill>
               </a:rPr>
-              <a:t> 기존 결과값을 제외한 결과만을 받을 수 있다면 가장 좋으나</a:t>
+              <a:t> </a:t>
+            </a:r>
+            <a:r>
+              <a:rPr lang="ko-KR" altLang="en-US" sz="1000" dirty="0" smtClean="0">
+                <a:solidFill>
+                  <a:srgbClr val="000000"/>
+                </a:solidFill>
+              </a:rPr>
+              <a:t>이</a:t>
+            </a:r>
+            <a:r>
+              <a:rPr lang="ko-KR" altLang="en-US" sz="1000" dirty="0">
+                <a:solidFill>
+                  <a:srgbClr val="000000"/>
+                </a:solidFill>
+              </a:rPr>
+              <a:t>전</a:t>
+            </a:r>
+            <a:r>
+              <a:rPr lang="ko-KR" altLang="en-US" sz="1000" dirty="0" smtClean="0">
+                <a:solidFill>
+                  <a:srgbClr val="000000"/>
+                </a:solidFill>
+              </a:rPr>
+              <a:t> </a:t>
+            </a:r>
+            <a:r>
+              <a:rPr lang="ko-KR" altLang="en-US" sz="1000" dirty="0" smtClean="0">
+                <a:solidFill>
+                  <a:srgbClr val="000000"/>
+                </a:solidFill>
+              </a:rPr>
+              <a:t>결과값을 제외한 결과만을 받을 수 있다면 가장 좋으나</a:t>
             </a:r>
             <a:r>
               <a:rPr lang="en-US" altLang="ko-KR" sz="1000" dirty="0" smtClean="0">
@@ -19178,15 +19150,7 @@
                   <a:srgbClr val="000000"/>
                 </a:solidFill>
               </a:rPr>
-              <a:t>각 </a:t>
-            </a:r>
-            <a:r>
-              <a:rPr lang="ko-KR" altLang="en-US" sz="1000" dirty="0" smtClean="0">
-                <a:solidFill>
-                  <a:srgbClr val="000000"/>
-                </a:solidFill>
-              </a:rPr>
-              <a:t>클라이언트의 </a:t>
+              <a:t>각 클라이언트의 </a:t>
             </a:r>
             <a:r>
               <a:rPr lang="en-US" altLang="ko-KR" sz="1000" dirty="0" smtClean="0">
@@ -19612,11 +19576,7 @@
             </a:pPr>
             <a:r>
               <a:rPr lang="en-US" altLang="ko-KR" sz="1000" b="1" dirty="0" smtClean="0"/>
-              <a:t>6) </a:t>
-            </a:r>
-            <a:r>
-              <a:rPr lang="en-US" altLang="ko-KR" sz="1000" b="1" dirty="0" smtClean="0"/>
-              <a:t>UI</a:t>
+              <a:t>6) UI</a:t>
             </a:r>
             <a:r>
               <a:rPr lang="ko-KR" altLang="en-US" sz="1000" b="1" dirty="0" smtClean="0"/>
@@ -20847,11 +20807,23 @@
             </a:r>
             <a:r>
               <a:rPr lang="en-US" altLang="ko-KR" sz="1000" dirty="0" smtClean="0"/>
-              <a:t>, ‘</a:t>
+              <a:t>, </a:t>
+            </a:r>
+            <a:r>
+              <a:rPr lang="en-US" altLang="ko-KR" sz="1000" dirty="0" smtClean="0"/>
+              <a:t>‘</a:t>
             </a:r>
             <a:r>
               <a:rPr lang="ko-KR" altLang="en-US" sz="1000" dirty="0" err="1" smtClean="0"/>
-              <a:t>인기탭</a:t>
+              <a:t>최</a:t>
+            </a:r>
+            <a:r>
+              <a:rPr lang="ko-KR" altLang="en-US" sz="1000" dirty="0" err="1"/>
+              <a:t>신</a:t>
+            </a:r>
+            <a:r>
+              <a:rPr lang="ko-KR" altLang="en-US" sz="1000" dirty="0" err="1" smtClean="0"/>
+              <a:t>탭</a:t>
             </a:r>
             <a:r>
               <a:rPr lang="en-US" altLang="ko-KR" sz="1000" dirty="0" smtClean="0"/>
@@ -20859,7 +20831,23 @@
             </a:r>
             <a:r>
               <a:rPr lang="ko-KR" altLang="en-US" sz="1000" dirty="0" smtClean="0"/>
-              <a:t>을 메인 탭으로 사용한다</a:t>
+              <a:t>을 </a:t>
+            </a:r>
+            <a:r>
+              <a:rPr lang="ko-KR" altLang="en-US" sz="1000" dirty="0" smtClean="0"/>
+              <a:t>초</a:t>
+            </a:r>
+            <a:r>
+              <a:rPr lang="ko-KR" altLang="en-US" sz="1000" dirty="0"/>
+              <a:t>기</a:t>
+            </a:r>
+            <a:r>
+              <a:rPr lang="ko-KR" altLang="en-US" sz="1000" dirty="0" smtClean="0"/>
+              <a:t> </a:t>
+            </a:r>
+            <a:r>
+              <a:rPr lang="ko-KR" altLang="en-US" sz="1000" dirty="0" smtClean="0"/>
+              <a:t>탭으로 사용한다</a:t>
             </a:r>
             <a:r>
               <a:rPr lang="en-US" altLang="ko-KR" sz="1000" dirty="0" smtClean="0"/>
@@ -20998,16 +20986,12 @@
               <a:t>) </a:t>
             </a:r>
             <a:r>
-              <a:rPr lang="ko-KR" altLang="en-US" sz="1000" dirty="0" err="1" smtClean="0"/>
-              <a:t>뒤로가</a:t>
-            </a:r>
-            <a:r>
-              <a:rPr lang="ko-KR" altLang="en-US" sz="1000" dirty="0" err="1"/>
-              <a:t>기</a:t>
-            </a:r>
-            <a:r>
               <a:rPr lang="ko-KR" altLang="en-US" sz="1000" dirty="0" smtClean="0"/>
-              <a:t> 버튼 시</a:t>
+              <a:t>뒤로 가기 </a:t>
+            </a:r>
+            <a:r>
+              <a:rPr lang="ko-KR" altLang="en-US" sz="1000" dirty="0" smtClean="0"/>
+              <a:t>버튼 시</a:t>
             </a:r>
             <a:r>
               <a:rPr lang="en-US" altLang="ko-KR" sz="1000" dirty="0" smtClean="0"/>
@@ -21226,13 +21210,6 @@
               </a:rPr>
               <a:t>기</a:t>
             </a:r>
-            <a:endParaRPr lang="ko-KR" altLang="en-US" sz="1050" b="1" dirty="0">
-              <a:solidFill>
-                <a:schemeClr val="bg1">
-                  <a:lumMod val="65000"/>
-                </a:schemeClr>
-              </a:solidFill>
-            </a:endParaRPr>
           </a:p>
         </p:txBody>
       </p:sp>
@@ -21266,7 +21243,6 @@
               <a:rPr lang="ko-KR" altLang="en-US" sz="1050" b="1" dirty="0"/>
               <a:t>신</a:t>
             </a:r>
-            <a:endParaRPr lang="ko-KR" altLang="en-US" sz="1050" b="1" dirty="0"/>
           </a:p>
         </p:txBody>
       </p:sp>
@@ -21954,11 +21930,7 @@
             </a:pPr>
             <a:r>
               <a:rPr lang="en-US" altLang="ko-KR" sz="1000" b="1" dirty="0" smtClean="0"/>
-              <a:t>7) </a:t>
-            </a:r>
-            <a:r>
-              <a:rPr lang="en-US" altLang="ko-KR" sz="1000" b="1" dirty="0" smtClean="0"/>
-              <a:t>UI</a:t>
+              <a:t>7) UI</a:t>
             </a:r>
             <a:r>
               <a:rPr lang="ko-KR" altLang="en-US" sz="1000" b="1" dirty="0" smtClean="0"/>
@@ -23541,13 +23513,6 @@
               </a:rPr>
               <a:t>기</a:t>
             </a:r>
-            <a:endParaRPr lang="ko-KR" altLang="en-US" sz="1050" b="1" dirty="0">
-              <a:solidFill>
-                <a:schemeClr val="bg1">
-                  <a:lumMod val="65000"/>
-                </a:schemeClr>
-              </a:solidFill>
-            </a:endParaRPr>
           </a:p>
         </p:txBody>
       </p:sp>
@@ -24517,7 +24482,7 @@
   <a:extraClrSchemeLst/>
   <a:extLst>
     <a:ext uri="{05A4C25C-085E-4340-85A3-A5531E510DB2}">
-      <thm15:themeFamily xmlns:thm15="http://schemas.microsoft.com/office/thememl/2012/main" xmlns="" name="Office Theme" id="{62F939B6-93AF-4DB8-9C6B-D6C7DFDC589F}" vid="{4A3C46E8-61CC-4603-A589-7422A47A8E4A}"/>
+      <thm15:themeFamily xmlns="" xmlns:thm15="http://schemas.microsoft.com/office/thememl/2012/main" name="Office Theme" id="{62F939B6-93AF-4DB8-9C6B-D6C7DFDC589F}" vid="{4A3C46E8-61CC-4603-A589-7422A47A8E4A}"/>
     </a:ext>
   </a:extLst>
 </a:theme>
